--- a/Documentation/Resources/Default_Image.pptx
+++ b/Documentation/Resources/Default_Image.pptx
@@ -6,6 +6,7 @@
   </p:sldMasterIdLst>
   <p:sldIdLst>
     <p:sldId id="256" r:id="rId2"/>
+    <p:sldId id="257" r:id="rId3"/>
   </p:sldIdLst>
   <p:sldSz cx="12192000" cy="6858000"/>
   <p:notesSz cx="6858000" cy="9144000"/>
@@ -104,6 +105,11 @@
       </a:defRPr>
     </a:lvl9pPr>
   </p:defaultTextStyle>
+  <p:extLst>
+    <p:ext uri="{EFAFB233-063F-42B5-8137-9DF3F51BA10A}">
+      <p15:sldGuideLst xmlns:p15="http://schemas.microsoft.com/office/powerpoint/2012/main"/>
+    </p:ext>
+  </p:extLst>
 </p:presentation>
 </file>
 
@@ -254,7 +260,7 @@
           <a:p>
             <a:fld id="{15E32B24-CA35-48E8-8CC9-E5E0139D3757}" type="datetimeFigureOut">
               <a:rPr lang="it-IT" smtClean="0"/>
-              <a:t>21/01/2024</a:t>
+              <a:t>28/01/2024</a:t>
             </a:fld>
             <a:endParaRPr lang="it-IT"/>
           </a:p>
@@ -452,7 +458,7 @@
           <a:p>
             <a:fld id="{15E32B24-CA35-48E8-8CC9-E5E0139D3757}" type="datetimeFigureOut">
               <a:rPr lang="it-IT" smtClean="0"/>
-              <a:t>21/01/2024</a:t>
+              <a:t>28/01/2024</a:t>
             </a:fld>
             <a:endParaRPr lang="it-IT"/>
           </a:p>
@@ -660,7 +666,7 @@
           <a:p>
             <a:fld id="{15E32B24-CA35-48E8-8CC9-E5E0139D3757}" type="datetimeFigureOut">
               <a:rPr lang="it-IT" smtClean="0"/>
-              <a:t>21/01/2024</a:t>
+              <a:t>28/01/2024</a:t>
             </a:fld>
             <a:endParaRPr lang="it-IT"/>
           </a:p>
@@ -858,7 +864,7 @@
           <a:p>
             <a:fld id="{15E32B24-CA35-48E8-8CC9-E5E0139D3757}" type="datetimeFigureOut">
               <a:rPr lang="it-IT" smtClean="0"/>
-              <a:t>21/01/2024</a:t>
+              <a:t>28/01/2024</a:t>
             </a:fld>
             <a:endParaRPr lang="it-IT"/>
           </a:p>
@@ -1133,7 +1139,7 @@
           <a:p>
             <a:fld id="{15E32B24-CA35-48E8-8CC9-E5E0139D3757}" type="datetimeFigureOut">
               <a:rPr lang="it-IT" smtClean="0"/>
-              <a:t>21/01/2024</a:t>
+              <a:t>28/01/2024</a:t>
             </a:fld>
             <a:endParaRPr lang="it-IT"/>
           </a:p>
@@ -1398,7 +1404,7 @@
           <a:p>
             <a:fld id="{15E32B24-CA35-48E8-8CC9-E5E0139D3757}" type="datetimeFigureOut">
               <a:rPr lang="it-IT" smtClean="0"/>
-              <a:t>21/01/2024</a:t>
+              <a:t>28/01/2024</a:t>
             </a:fld>
             <a:endParaRPr lang="it-IT"/>
           </a:p>
@@ -1810,7 +1816,7 @@
           <a:p>
             <a:fld id="{15E32B24-CA35-48E8-8CC9-E5E0139D3757}" type="datetimeFigureOut">
               <a:rPr lang="it-IT" smtClean="0"/>
-              <a:t>21/01/2024</a:t>
+              <a:t>28/01/2024</a:t>
             </a:fld>
             <a:endParaRPr lang="it-IT"/>
           </a:p>
@@ -1951,7 +1957,7 @@
           <a:p>
             <a:fld id="{15E32B24-CA35-48E8-8CC9-E5E0139D3757}" type="datetimeFigureOut">
               <a:rPr lang="it-IT" smtClean="0"/>
-              <a:t>21/01/2024</a:t>
+              <a:t>28/01/2024</a:t>
             </a:fld>
             <a:endParaRPr lang="it-IT"/>
           </a:p>
@@ -2064,7 +2070,7 @@
           <a:p>
             <a:fld id="{15E32B24-CA35-48E8-8CC9-E5E0139D3757}" type="datetimeFigureOut">
               <a:rPr lang="it-IT" smtClean="0"/>
-              <a:t>21/01/2024</a:t>
+              <a:t>28/01/2024</a:t>
             </a:fld>
             <a:endParaRPr lang="it-IT"/>
           </a:p>
@@ -2375,7 +2381,7 @@
           <a:p>
             <a:fld id="{15E32B24-CA35-48E8-8CC9-E5E0139D3757}" type="datetimeFigureOut">
               <a:rPr lang="it-IT" smtClean="0"/>
-              <a:t>21/01/2024</a:t>
+              <a:t>28/01/2024</a:t>
             </a:fld>
             <a:endParaRPr lang="it-IT"/>
           </a:p>
@@ -2663,7 +2669,7 @@
           <a:p>
             <a:fld id="{15E32B24-CA35-48E8-8CC9-E5E0139D3757}" type="datetimeFigureOut">
               <a:rPr lang="it-IT" smtClean="0"/>
-              <a:t>21/01/2024</a:t>
+              <a:t>28/01/2024</a:t>
             </a:fld>
             <a:endParaRPr lang="it-IT"/>
           </a:p>
@@ -2904,7 +2910,7 @@
           <a:p>
             <a:fld id="{15E32B24-CA35-48E8-8CC9-E5E0139D3757}" type="datetimeFigureOut">
               <a:rPr lang="it-IT" smtClean="0"/>
-              <a:t>21/01/2024</a:t>
+              <a:t>28/01/2024</a:t>
             </a:fld>
             <a:endParaRPr lang="it-IT"/>
           </a:p>
@@ -3597,6 +3603,1421 @@
 </p:sld>
 </file>
 
+<file path=ppt/slides/slide2.xml><?xml version="1.0" encoding="utf-8"?>
+<p:sld xmlns:a="http://schemas.openxmlformats.org/drawingml/2006/main" xmlns:r="http://schemas.openxmlformats.org/officeDocument/2006/relationships" xmlns:p="http://schemas.openxmlformats.org/presentationml/2006/main">
+  <p:cSld>
+    <p:spTree>
+      <p:nvGrpSpPr>
+        <p:cNvPr id="1" name=""/>
+        <p:cNvGrpSpPr/>
+        <p:nvPr/>
+      </p:nvGrpSpPr>
+      <p:grpSpPr>
+        <a:xfrm>
+          <a:off x="0" y="0"/>
+          <a:ext cx="0" cy="0"/>
+          <a:chOff x="0" y="0"/>
+          <a:chExt cx="0" cy="0"/>
+        </a:xfrm>
+      </p:grpSpPr>
+      <p:grpSp>
+        <p:nvGrpSpPr>
+          <p:cNvPr id="54" name="Gruppo 53">
+            <a:extLst>
+              <a:ext uri="{FF2B5EF4-FFF2-40B4-BE49-F238E27FC236}">
+                <a16:creationId xmlns:a16="http://schemas.microsoft.com/office/drawing/2014/main" id="{EAF1092C-179A-E06D-86CE-56CA8A17C8DF}"/>
+              </a:ext>
+            </a:extLst>
+          </p:cNvPr>
+          <p:cNvGrpSpPr/>
+          <p:nvPr/>
+        </p:nvGrpSpPr>
+        <p:grpSpPr>
+          <a:xfrm>
+            <a:off x="1241525" y="1539093"/>
+            <a:ext cx="9708951" cy="3356232"/>
+            <a:chOff x="950259" y="1524042"/>
+            <a:chExt cx="9708951" cy="3356232"/>
+          </a:xfrm>
+        </p:grpSpPr>
+        <p:grpSp>
+          <p:nvGrpSpPr>
+            <p:cNvPr id="21" name="Gruppo 20">
+              <a:extLst>
+                <a:ext uri="{FF2B5EF4-FFF2-40B4-BE49-F238E27FC236}">
+                  <a16:creationId xmlns:a16="http://schemas.microsoft.com/office/drawing/2014/main" id="{CD7EB132-72DA-447D-A5CE-D995A52A99DC}"/>
+                </a:ext>
+              </a:extLst>
+            </p:cNvPr>
+            <p:cNvGrpSpPr/>
+            <p:nvPr/>
+          </p:nvGrpSpPr>
+          <p:grpSpPr>
+            <a:xfrm>
+              <a:off x="1167793" y="2761044"/>
+              <a:ext cx="1353671" cy="1340451"/>
+              <a:chOff x="3452957" y="4450320"/>
+              <a:chExt cx="1353671" cy="1340451"/>
+            </a:xfrm>
+          </p:grpSpPr>
+          <p:pic>
+            <p:nvPicPr>
+              <p:cNvPr id="1026" name="Picture 2">
+                <a:extLst>
+                  <a:ext uri="{FF2B5EF4-FFF2-40B4-BE49-F238E27FC236}">
+                    <a16:creationId xmlns:a16="http://schemas.microsoft.com/office/drawing/2014/main" id="{D2C48197-CE63-58C1-2445-9925E2EA559C}"/>
+                  </a:ext>
+                </a:extLst>
+              </p:cNvPr>
+              <p:cNvPicPr>
+                <a:picLocks noChangeAspect="1" noChangeArrowheads="1"/>
+              </p:cNvPicPr>
+              <p:nvPr/>
+            </p:nvPicPr>
+            <p:blipFill>
+              <a:blip r:embed="rId2">
+                <a:extLst>
+                  <a:ext uri="{28A0092B-C50C-407E-A947-70E740481C1C}">
+                    <a14:useLocalDpi xmlns:a14="http://schemas.microsoft.com/office/drawing/2010/main" val="0"/>
+                  </a:ext>
+                </a:extLst>
+              </a:blip>
+              <a:srcRect/>
+              <a:stretch>
+                <a:fillRect/>
+              </a:stretch>
+            </p:blipFill>
+            <p:spPr bwMode="auto">
+              <a:xfrm>
+                <a:off x="3567959" y="4450320"/>
+                <a:ext cx="1123665" cy="1123665"/>
+              </a:xfrm>
+              <a:prstGeom prst="rect">
+                <a:avLst/>
+              </a:prstGeom>
+              <a:noFill/>
+              <a:extLst>
+                <a:ext uri="{909E8E84-426E-40DD-AFC4-6F175D3DCCD1}">
+                  <a14:hiddenFill xmlns:a14="http://schemas.microsoft.com/office/drawing/2010/main">
+                    <a:solidFill>
+                      <a:srgbClr val="FFFFFF"/>
+                    </a:solidFill>
+                  </a14:hiddenFill>
+                </a:ext>
+              </a:extLst>
+            </p:spPr>
+          </p:pic>
+          <p:sp>
+            <p:nvSpPr>
+              <p:cNvPr id="4" name="CasellaDiTesto 3">
+                <a:extLst>
+                  <a:ext uri="{FF2B5EF4-FFF2-40B4-BE49-F238E27FC236}">
+                    <a16:creationId xmlns:a16="http://schemas.microsoft.com/office/drawing/2014/main" id="{A8ED3B3F-F580-D8A0-CDDC-DDA7E9C26C11}"/>
+                  </a:ext>
+                </a:extLst>
+              </p:cNvPr>
+              <p:cNvSpPr txBox="1"/>
+              <p:nvPr/>
+            </p:nvSpPr>
+            <p:spPr>
+              <a:xfrm>
+                <a:off x="3452957" y="5529161"/>
+                <a:ext cx="1353671" cy="261610"/>
+              </a:xfrm>
+              <a:prstGeom prst="rect">
+                <a:avLst/>
+              </a:prstGeom>
+              <a:noFill/>
+            </p:spPr>
+            <p:txBody>
+              <a:bodyPr wrap="square" rtlCol="0">
+                <a:spAutoFit/>
+              </a:bodyPr>
+              <a:lstStyle/>
+              <a:p>
+                <a:pPr algn="ctr"/>
+                <a:r>
+                  <a:rPr lang="it-IT" sz="1100" b="1" dirty="0">
+                    <a:solidFill>
+                      <a:srgbClr val="03071E"/>
+                    </a:solidFill>
+                  </a:rPr>
+                  <a:t>ANGULAR</a:t>
+                </a:r>
+                <a:endParaRPr lang="it-IT" sz="1300" b="1" dirty="0">
+                  <a:solidFill>
+                    <a:srgbClr val="03071E"/>
+                  </a:solidFill>
+                </a:endParaRPr>
+              </a:p>
+            </p:txBody>
+          </p:sp>
+        </p:grpSp>
+        <p:cxnSp>
+          <p:nvCxnSpPr>
+            <p:cNvPr id="9" name="Connettore 2 8">
+              <a:extLst>
+                <a:ext uri="{FF2B5EF4-FFF2-40B4-BE49-F238E27FC236}">
+                  <a16:creationId xmlns:a16="http://schemas.microsoft.com/office/drawing/2014/main" id="{FFE25689-0EF7-7D33-87EF-562EEFCED211}"/>
+                </a:ext>
+              </a:extLst>
+            </p:cNvPr>
+            <p:cNvCxnSpPr>
+              <a:cxnSpLocks/>
+            </p:cNvCxnSpPr>
+            <p:nvPr/>
+          </p:nvCxnSpPr>
+          <p:spPr>
+            <a:xfrm>
+              <a:off x="2880808" y="3428484"/>
+              <a:ext cx="1660712" cy="0"/>
+            </a:xfrm>
+            <a:prstGeom prst="straightConnector1">
+              <a:avLst/>
+            </a:prstGeom>
+            <a:ln w="28575">
+              <a:solidFill>
+                <a:srgbClr val="03071E"/>
+              </a:solidFill>
+              <a:headEnd type="triangle"/>
+              <a:tailEnd type="triangle"/>
+            </a:ln>
+          </p:spPr>
+          <p:style>
+            <a:lnRef idx="2">
+              <a:schemeClr val="accent1"/>
+            </a:lnRef>
+            <a:fillRef idx="0">
+              <a:schemeClr val="accent1"/>
+            </a:fillRef>
+            <a:effectRef idx="1">
+              <a:schemeClr val="accent1"/>
+            </a:effectRef>
+            <a:fontRef idx="minor">
+              <a:schemeClr val="tx1"/>
+            </a:fontRef>
+          </p:style>
+        </p:cxnSp>
+        <p:sp>
+          <p:nvSpPr>
+            <p:cNvPr id="10" name="CasellaDiTesto 9">
+              <a:extLst>
+                <a:ext uri="{FF2B5EF4-FFF2-40B4-BE49-F238E27FC236}">
+                  <a16:creationId xmlns:a16="http://schemas.microsoft.com/office/drawing/2014/main" id="{C65792F5-22D1-5940-571B-07D8154E2B46}"/>
+                </a:ext>
+              </a:extLst>
+            </p:cNvPr>
+            <p:cNvSpPr txBox="1"/>
+            <p:nvPr/>
+          </p:nvSpPr>
+          <p:spPr>
+            <a:xfrm>
+              <a:off x="3048518" y="3151159"/>
+              <a:ext cx="1353671" cy="276999"/>
+            </a:xfrm>
+            <a:prstGeom prst="rect">
+              <a:avLst/>
+            </a:prstGeom>
+            <a:noFill/>
+          </p:spPr>
+          <p:txBody>
+            <a:bodyPr wrap="square" rtlCol="0">
+              <a:spAutoFit/>
+            </a:bodyPr>
+            <a:lstStyle/>
+            <a:p>
+              <a:pPr algn="ctr"/>
+              <a:r>
+                <a:rPr lang="it-IT" sz="1200" dirty="0">
+                  <a:solidFill>
+                    <a:srgbClr val="03071E"/>
+                  </a:solidFill>
+                </a:rPr>
+                <a:t>HTTP</a:t>
+              </a:r>
+            </a:p>
+          </p:txBody>
+        </p:sp>
+        <p:sp>
+          <p:nvSpPr>
+            <p:cNvPr id="12" name="Rettangolo con angoli arrotondati 11">
+              <a:extLst>
+                <a:ext uri="{FF2B5EF4-FFF2-40B4-BE49-F238E27FC236}">
+                  <a16:creationId xmlns:a16="http://schemas.microsoft.com/office/drawing/2014/main" id="{75E11296-A5E7-DB62-A715-90CE8A41E30D}"/>
+                </a:ext>
+              </a:extLst>
+            </p:cNvPr>
+            <p:cNvSpPr/>
+            <p:nvPr/>
+          </p:nvSpPr>
+          <p:spPr>
+            <a:xfrm>
+              <a:off x="950259" y="2632081"/>
+              <a:ext cx="1770810" cy="1593839"/>
+            </a:xfrm>
+            <a:prstGeom prst="roundRect">
+              <a:avLst/>
+            </a:prstGeom>
+            <a:noFill/>
+            <a:ln w="28575">
+              <a:solidFill>
+                <a:srgbClr val="03071E"/>
+              </a:solidFill>
+            </a:ln>
+          </p:spPr>
+          <p:style>
+            <a:lnRef idx="2">
+              <a:schemeClr val="accent1">
+                <a:shade val="15000"/>
+              </a:schemeClr>
+            </a:lnRef>
+            <a:fillRef idx="1">
+              <a:schemeClr val="accent1"/>
+            </a:fillRef>
+            <a:effectRef idx="0">
+              <a:schemeClr val="accent1"/>
+            </a:effectRef>
+            <a:fontRef idx="minor">
+              <a:schemeClr val="lt1"/>
+            </a:fontRef>
+          </p:style>
+          <p:txBody>
+            <a:bodyPr rtlCol="0" anchor="ctr"/>
+            <a:lstStyle/>
+            <a:p>
+              <a:pPr algn="ctr"/>
+              <a:endParaRPr lang="it-IT"/>
+            </a:p>
+          </p:txBody>
+        </p:sp>
+        <p:grpSp>
+          <p:nvGrpSpPr>
+            <p:cNvPr id="20" name="Gruppo 19">
+              <a:extLst>
+                <a:ext uri="{FF2B5EF4-FFF2-40B4-BE49-F238E27FC236}">
+                  <a16:creationId xmlns:a16="http://schemas.microsoft.com/office/drawing/2014/main" id="{027DA259-06AB-F700-919D-7AAF0C8E3143}"/>
+                </a:ext>
+              </a:extLst>
+            </p:cNvPr>
+            <p:cNvGrpSpPr/>
+            <p:nvPr/>
+          </p:nvGrpSpPr>
+          <p:grpSpPr>
+            <a:xfrm>
+              <a:off x="1158828" y="2076784"/>
+              <a:ext cx="1353671" cy="468018"/>
+              <a:chOff x="1434494" y="545299"/>
+              <a:chExt cx="1353671" cy="468018"/>
+            </a:xfrm>
+          </p:grpSpPr>
+          <p:sp>
+            <p:nvSpPr>
+              <p:cNvPr id="6" name="CasellaDiTesto 5">
+                <a:extLst>
+                  <a:ext uri="{FF2B5EF4-FFF2-40B4-BE49-F238E27FC236}">
+                    <a16:creationId xmlns:a16="http://schemas.microsoft.com/office/drawing/2014/main" id="{66F47FD9-A74B-8E3D-ACAF-589AFB88920E}"/>
+                  </a:ext>
+                </a:extLst>
+              </p:cNvPr>
+              <p:cNvSpPr txBox="1"/>
+              <p:nvPr/>
+            </p:nvSpPr>
+            <p:spPr>
+              <a:xfrm>
+                <a:off x="1434494" y="545299"/>
+                <a:ext cx="1353671" cy="292388"/>
+              </a:xfrm>
+              <a:prstGeom prst="rect">
+                <a:avLst/>
+              </a:prstGeom>
+              <a:noFill/>
+            </p:spPr>
+            <p:txBody>
+              <a:bodyPr wrap="square" rtlCol="0">
+                <a:spAutoFit/>
+              </a:bodyPr>
+              <a:lstStyle/>
+              <a:p>
+                <a:pPr algn="ctr"/>
+                <a:r>
+                  <a:rPr lang="it-IT" sz="1300" b="1" dirty="0">
+                    <a:solidFill>
+                      <a:srgbClr val="03071E"/>
+                    </a:solidFill>
+                  </a:rPr>
+                  <a:t>CLIENT</a:t>
+                </a:r>
+              </a:p>
+            </p:txBody>
+          </p:sp>
+          <p:sp>
+            <p:nvSpPr>
+              <p:cNvPr id="13" name="CasellaDiTesto 12">
+                <a:extLst>
+                  <a:ext uri="{FF2B5EF4-FFF2-40B4-BE49-F238E27FC236}">
+                    <a16:creationId xmlns:a16="http://schemas.microsoft.com/office/drawing/2014/main" id="{ED1DC386-7E2D-AD8A-1747-72F9DA44FF27}"/>
+                  </a:ext>
+                </a:extLst>
+              </p:cNvPr>
+              <p:cNvSpPr txBox="1"/>
+              <p:nvPr/>
+            </p:nvSpPr>
+            <p:spPr>
+              <a:xfrm>
+                <a:off x="1434494" y="751707"/>
+                <a:ext cx="1353671" cy="261610"/>
+              </a:xfrm>
+              <a:prstGeom prst="rect">
+                <a:avLst/>
+              </a:prstGeom>
+              <a:noFill/>
+            </p:spPr>
+            <p:txBody>
+              <a:bodyPr wrap="square" rtlCol="0">
+                <a:spAutoFit/>
+              </a:bodyPr>
+              <a:lstStyle/>
+              <a:p>
+                <a:pPr algn="ctr"/>
+                <a:r>
+                  <a:rPr lang="it-IT" sz="1100" dirty="0">
+                    <a:solidFill>
+                      <a:srgbClr val="03071E"/>
+                    </a:solidFill>
+                  </a:rPr>
+                  <a:t>Web-App</a:t>
+                </a:r>
+              </a:p>
+            </p:txBody>
+          </p:sp>
+        </p:grpSp>
+        <p:grpSp>
+          <p:nvGrpSpPr>
+            <p:cNvPr id="31" name="Gruppo 30">
+              <a:extLst>
+                <a:ext uri="{FF2B5EF4-FFF2-40B4-BE49-F238E27FC236}">
+                  <a16:creationId xmlns:a16="http://schemas.microsoft.com/office/drawing/2014/main" id="{B6E2662A-5D03-4D24-A4C0-7382662F5CEE}"/>
+                </a:ext>
+              </a:extLst>
+            </p:cNvPr>
+            <p:cNvGrpSpPr/>
+            <p:nvPr/>
+          </p:nvGrpSpPr>
+          <p:grpSpPr>
+            <a:xfrm>
+              <a:off x="5282827" y="2080835"/>
+              <a:ext cx="1353671" cy="468018"/>
+              <a:chOff x="5591009" y="1393372"/>
+              <a:chExt cx="1353671" cy="468018"/>
+            </a:xfrm>
+          </p:grpSpPr>
+          <p:sp>
+            <p:nvSpPr>
+              <p:cNvPr id="18" name="CasellaDiTesto 17">
+                <a:extLst>
+                  <a:ext uri="{FF2B5EF4-FFF2-40B4-BE49-F238E27FC236}">
+                    <a16:creationId xmlns:a16="http://schemas.microsoft.com/office/drawing/2014/main" id="{435540EF-56D3-0792-B554-82D5CC10E1C7}"/>
+                  </a:ext>
+                </a:extLst>
+              </p:cNvPr>
+              <p:cNvSpPr txBox="1"/>
+              <p:nvPr/>
+            </p:nvSpPr>
+            <p:spPr>
+              <a:xfrm>
+                <a:off x="5591009" y="1393372"/>
+                <a:ext cx="1353671" cy="292388"/>
+              </a:xfrm>
+              <a:prstGeom prst="rect">
+                <a:avLst/>
+              </a:prstGeom>
+              <a:noFill/>
+            </p:spPr>
+            <p:txBody>
+              <a:bodyPr wrap="square" rtlCol="0">
+                <a:spAutoFit/>
+              </a:bodyPr>
+              <a:lstStyle/>
+              <a:p>
+                <a:pPr algn="ctr"/>
+                <a:r>
+                  <a:rPr lang="it-IT" sz="1300" b="1" dirty="0">
+                    <a:solidFill>
+                      <a:srgbClr val="03071E"/>
+                    </a:solidFill>
+                  </a:rPr>
+                  <a:t>SERVER</a:t>
+                </a:r>
+              </a:p>
+            </p:txBody>
+          </p:sp>
+          <p:sp>
+            <p:nvSpPr>
+              <p:cNvPr id="19" name="CasellaDiTesto 18">
+                <a:extLst>
+                  <a:ext uri="{FF2B5EF4-FFF2-40B4-BE49-F238E27FC236}">
+                    <a16:creationId xmlns:a16="http://schemas.microsoft.com/office/drawing/2014/main" id="{7A20E3D8-B2E5-6EDB-5E67-05FAA76D69C4}"/>
+                  </a:ext>
+                </a:extLst>
+              </p:cNvPr>
+              <p:cNvSpPr txBox="1"/>
+              <p:nvPr/>
+            </p:nvSpPr>
+            <p:spPr>
+              <a:xfrm>
+                <a:off x="5591009" y="1599780"/>
+                <a:ext cx="1353671" cy="261610"/>
+              </a:xfrm>
+              <a:prstGeom prst="rect">
+                <a:avLst/>
+              </a:prstGeom>
+              <a:noFill/>
+            </p:spPr>
+            <p:txBody>
+              <a:bodyPr wrap="square" rtlCol="0">
+                <a:spAutoFit/>
+              </a:bodyPr>
+              <a:lstStyle/>
+              <a:p>
+                <a:pPr algn="ctr"/>
+                <a:r>
+                  <a:rPr lang="it-IT" sz="1100" dirty="0">
+                    <a:solidFill>
+                      <a:srgbClr val="03071E"/>
+                    </a:solidFill>
+                  </a:rPr>
+                  <a:t>Java</a:t>
+                </a:r>
+              </a:p>
+            </p:txBody>
+          </p:sp>
+        </p:grpSp>
+        <p:grpSp>
+          <p:nvGrpSpPr>
+            <p:cNvPr id="34" name="Gruppo 33">
+              <a:extLst>
+                <a:ext uri="{FF2B5EF4-FFF2-40B4-BE49-F238E27FC236}">
+                  <a16:creationId xmlns:a16="http://schemas.microsoft.com/office/drawing/2014/main" id="{A46FDCE1-322F-13DE-0038-B6EDD00F3345}"/>
+                </a:ext>
+              </a:extLst>
+            </p:cNvPr>
+            <p:cNvGrpSpPr/>
+            <p:nvPr/>
+          </p:nvGrpSpPr>
+          <p:grpSpPr>
+            <a:xfrm>
+              <a:off x="4482996" y="2632080"/>
+              <a:ext cx="3226008" cy="1593840"/>
+              <a:chOff x="5039717" y="2632081"/>
+              <a:chExt cx="3226008" cy="1593840"/>
+            </a:xfrm>
+          </p:grpSpPr>
+          <p:sp>
+            <p:nvSpPr>
+              <p:cNvPr id="22" name="Rettangolo con angoli arrotondati 21">
+                <a:extLst>
+                  <a:ext uri="{FF2B5EF4-FFF2-40B4-BE49-F238E27FC236}">
+                    <a16:creationId xmlns:a16="http://schemas.microsoft.com/office/drawing/2014/main" id="{33097CF7-8B90-CA68-5C78-333E13368EBD}"/>
+                  </a:ext>
+                </a:extLst>
+              </p:cNvPr>
+              <p:cNvSpPr/>
+              <p:nvPr/>
+            </p:nvSpPr>
+            <p:spPr>
+              <a:xfrm>
+                <a:off x="5258487" y="2632082"/>
+                <a:ext cx="2515797" cy="1593839"/>
+              </a:xfrm>
+              <a:prstGeom prst="roundRect">
+                <a:avLst/>
+              </a:prstGeom>
+              <a:noFill/>
+              <a:ln w="28575">
+                <a:solidFill>
+                  <a:srgbClr val="03071E"/>
+                </a:solidFill>
+              </a:ln>
+            </p:spPr>
+            <p:style>
+              <a:lnRef idx="2">
+                <a:schemeClr val="accent1">
+                  <a:shade val="15000"/>
+                </a:schemeClr>
+              </a:lnRef>
+              <a:fillRef idx="1">
+                <a:schemeClr val="accent1"/>
+              </a:fillRef>
+              <a:effectRef idx="0">
+                <a:schemeClr val="accent1"/>
+              </a:effectRef>
+              <a:fontRef idx="minor">
+                <a:schemeClr val="lt1"/>
+              </a:fontRef>
+            </p:style>
+            <p:txBody>
+              <a:bodyPr rtlCol="0" anchor="ctr"/>
+              <a:lstStyle/>
+              <a:p>
+                <a:pPr algn="ctr"/>
+                <a:endParaRPr lang="it-IT"/>
+              </a:p>
+            </p:txBody>
+          </p:sp>
+          <p:sp>
+            <p:nvSpPr>
+              <p:cNvPr id="25" name="Rettangolo con angoli arrotondati 24">
+                <a:extLst>
+                  <a:ext uri="{FF2B5EF4-FFF2-40B4-BE49-F238E27FC236}">
+                    <a16:creationId xmlns:a16="http://schemas.microsoft.com/office/drawing/2014/main" id="{B915C6B4-7E08-DA83-27A1-81177380E816}"/>
+                  </a:ext>
+                </a:extLst>
+              </p:cNvPr>
+              <p:cNvSpPr/>
+              <p:nvPr/>
+            </p:nvSpPr>
+            <p:spPr>
+              <a:xfrm>
+                <a:off x="5258486" y="2632081"/>
+                <a:ext cx="1821906" cy="1593839"/>
+              </a:xfrm>
+              <a:prstGeom prst="roundRect">
+                <a:avLst/>
+              </a:prstGeom>
+              <a:solidFill>
+                <a:srgbClr val="03071E"/>
+              </a:solidFill>
+              <a:ln w="28575">
+                <a:solidFill>
+                  <a:srgbClr val="03071E"/>
+                </a:solidFill>
+              </a:ln>
+            </p:spPr>
+            <p:style>
+              <a:lnRef idx="2">
+                <a:schemeClr val="accent1">
+                  <a:shade val="15000"/>
+                </a:schemeClr>
+              </a:lnRef>
+              <a:fillRef idx="1">
+                <a:schemeClr val="accent1"/>
+              </a:fillRef>
+              <a:effectRef idx="0">
+                <a:schemeClr val="accent1"/>
+              </a:effectRef>
+              <a:fontRef idx="minor">
+                <a:schemeClr val="lt1"/>
+              </a:fontRef>
+            </p:style>
+            <p:txBody>
+              <a:bodyPr rtlCol="0" anchor="ctr"/>
+              <a:lstStyle/>
+              <a:p>
+                <a:pPr algn="ctr"/>
+                <a:endParaRPr lang="it-IT"/>
+              </a:p>
+            </p:txBody>
+          </p:sp>
+          <p:sp>
+            <p:nvSpPr>
+              <p:cNvPr id="24" name="CasellaDiTesto 23">
+                <a:extLst>
+                  <a:ext uri="{FF2B5EF4-FFF2-40B4-BE49-F238E27FC236}">
+                    <a16:creationId xmlns:a16="http://schemas.microsoft.com/office/drawing/2014/main" id="{7463256A-EA88-8717-E7E4-899A1341E682}"/>
+                  </a:ext>
+                </a:extLst>
+              </p:cNvPr>
+              <p:cNvSpPr txBox="1"/>
+              <p:nvPr/>
+            </p:nvSpPr>
+            <p:spPr>
+              <a:xfrm>
+                <a:off x="5039717" y="3012988"/>
+                <a:ext cx="808579" cy="830997"/>
+              </a:xfrm>
+              <a:prstGeom prst="rect">
+                <a:avLst/>
+              </a:prstGeom>
+              <a:noFill/>
+            </p:spPr>
+            <p:txBody>
+              <a:bodyPr wrap="square" rtlCol="0">
+                <a:spAutoFit/>
+              </a:bodyPr>
+              <a:lstStyle/>
+              <a:p>
+                <a:pPr algn="ctr"/>
+                <a:r>
+                  <a:rPr lang="it-IT" sz="1600" b="1" dirty="0">
+                    <a:solidFill>
+                      <a:schemeClr val="bg1"/>
+                    </a:solidFill>
+                  </a:rPr>
+                  <a:t>A</a:t>
+                </a:r>
+              </a:p>
+              <a:p>
+                <a:pPr algn="ctr"/>
+                <a:r>
+                  <a:rPr lang="it-IT" sz="1600" b="1" dirty="0">
+                    <a:solidFill>
+                      <a:schemeClr val="bg1"/>
+                    </a:solidFill>
+                  </a:rPr>
+                  <a:t>P</a:t>
+                </a:r>
+                <a:br>
+                  <a:rPr lang="it-IT" sz="1600" b="1" dirty="0">
+                    <a:solidFill>
+                      <a:schemeClr val="bg1"/>
+                    </a:solidFill>
+                  </a:rPr>
+                </a:br>
+                <a:r>
+                  <a:rPr lang="it-IT" sz="1600" b="1" dirty="0">
+                    <a:solidFill>
+                      <a:schemeClr val="bg1"/>
+                    </a:solidFill>
+                  </a:rPr>
+                  <a:t>I</a:t>
+                </a:r>
+              </a:p>
+            </p:txBody>
+          </p:sp>
+          <p:sp>
+            <p:nvSpPr>
+              <p:cNvPr id="29" name="Rettangolo con angoli arrotondati 28">
+                <a:extLst>
+                  <a:ext uri="{FF2B5EF4-FFF2-40B4-BE49-F238E27FC236}">
+                    <a16:creationId xmlns:a16="http://schemas.microsoft.com/office/drawing/2014/main" id="{E506083C-A89D-D5CA-25D6-E46B69C37016}"/>
+                  </a:ext>
+                </a:extLst>
+              </p:cNvPr>
+              <p:cNvSpPr/>
+              <p:nvPr/>
+            </p:nvSpPr>
+            <p:spPr>
+              <a:xfrm>
+                <a:off x="5979361" y="2632081"/>
+                <a:ext cx="1794923" cy="1593839"/>
+              </a:xfrm>
+              <a:prstGeom prst="roundRect">
+                <a:avLst/>
+              </a:prstGeom>
+              <a:solidFill>
+                <a:srgbClr val="03071E"/>
+              </a:solidFill>
+              <a:ln w="28575">
+                <a:solidFill>
+                  <a:srgbClr val="03071E"/>
+                </a:solidFill>
+              </a:ln>
+            </p:spPr>
+            <p:style>
+              <a:lnRef idx="2">
+                <a:schemeClr val="accent1">
+                  <a:shade val="15000"/>
+                </a:schemeClr>
+              </a:lnRef>
+              <a:fillRef idx="1">
+                <a:schemeClr val="accent1"/>
+              </a:fillRef>
+              <a:effectRef idx="0">
+                <a:schemeClr val="accent1"/>
+              </a:effectRef>
+              <a:fontRef idx="minor">
+                <a:schemeClr val="lt1"/>
+              </a:fontRef>
+            </p:style>
+            <p:txBody>
+              <a:bodyPr rtlCol="0" anchor="ctr"/>
+              <a:lstStyle/>
+              <a:p>
+                <a:pPr algn="ctr"/>
+                <a:endParaRPr lang="it-IT"/>
+              </a:p>
+            </p:txBody>
+          </p:sp>
+          <p:sp>
+            <p:nvSpPr>
+              <p:cNvPr id="27" name="Rettangolo 26">
+                <a:extLst>
+                  <a:ext uri="{FF2B5EF4-FFF2-40B4-BE49-F238E27FC236}">
+                    <a16:creationId xmlns:a16="http://schemas.microsoft.com/office/drawing/2014/main" id="{64210CF7-7F4E-1F50-CAF6-F0626859AAAA}"/>
+                  </a:ext>
+                </a:extLst>
+              </p:cNvPr>
+              <p:cNvSpPr/>
+              <p:nvPr/>
+            </p:nvSpPr>
+            <p:spPr>
+              <a:xfrm>
+                <a:off x="5629276" y="2646974"/>
+                <a:ext cx="1774219" cy="1563027"/>
+              </a:xfrm>
+              <a:prstGeom prst="rect">
+                <a:avLst/>
+              </a:prstGeom>
+              <a:solidFill>
+                <a:schemeClr val="bg1"/>
+              </a:solidFill>
+              <a:ln>
+                <a:noFill/>
+              </a:ln>
+            </p:spPr>
+            <p:style>
+              <a:lnRef idx="2">
+                <a:schemeClr val="accent1">
+                  <a:shade val="15000"/>
+                </a:schemeClr>
+              </a:lnRef>
+              <a:fillRef idx="1">
+                <a:schemeClr val="accent1"/>
+              </a:fillRef>
+              <a:effectRef idx="0">
+                <a:schemeClr val="accent1"/>
+              </a:effectRef>
+              <a:fontRef idx="minor">
+                <a:schemeClr val="lt1"/>
+              </a:fontRef>
+            </p:style>
+            <p:txBody>
+              <a:bodyPr rtlCol="0" anchor="ctr"/>
+              <a:lstStyle/>
+              <a:p>
+                <a:pPr algn="ctr"/>
+                <a:endParaRPr lang="it-IT"/>
+              </a:p>
+            </p:txBody>
+          </p:sp>
+          <p:sp>
+            <p:nvSpPr>
+              <p:cNvPr id="30" name="CasellaDiTesto 29">
+                <a:extLst>
+                  <a:ext uri="{FF2B5EF4-FFF2-40B4-BE49-F238E27FC236}">
+                    <a16:creationId xmlns:a16="http://schemas.microsoft.com/office/drawing/2014/main" id="{19F852D7-F3CA-EB54-C5BD-3955D8E9E20E}"/>
+                  </a:ext>
+                </a:extLst>
+              </p:cNvPr>
+              <p:cNvSpPr txBox="1"/>
+              <p:nvPr/>
+            </p:nvSpPr>
+            <p:spPr>
+              <a:xfrm>
+                <a:off x="6912054" y="2828321"/>
+                <a:ext cx="1353671" cy="1200329"/>
+              </a:xfrm>
+              <a:prstGeom prst="rect">
+                <a:avLst/>
+              </a:prstGeom>
+              <a:noFill/>
+            </p:spPr>
+            <p:txBody>
+              <a:bodyPr wrap="square" rtlCol="0">
+                <a:spAutoFit/>
+              </a:bodyPr>
+              <a:lstStyle/>
+              <a:p>
+                <a:pPr algn="ctr"/>
+                <a:r>
+                  <a:rPr lang="it-IT" sz="1200" b="1" dirty="0">
+                    <a:solidFill>
+                      <a:schemeClr val="bg1"/>
+                    </a:solidFill>
+                  </a:rPr>
+                  <a:t>D</a:t>
+                </a:r>
+                <a:br>
+                  <a:rPr lang="it-IT" sz="1200" b="1" dirty="0">
+                    <a:solidFill>
+                      <a:schemeClr val="bg1"/>
+                    </a:solidFill>
+                  </a:rPr>
+                </a:br>
+                <a:r>
+                  <a:rPr lang="it-IT" sz="1200" b="1" dirty="0">
+                    <a:solidFill>
+                      <a:schemeClr val="bg1"/>
+                    </a:solidFill>
+                  </a:rPr>
+                  <a:t>R</a:t>
+                </a:r>
+              </a:p>
+              <a:p>
+                <a:pPr algn="ctr"/>
+                <a:r>
+                  <a:rPr lang="it-IT" sz="1200" b="1" dirty="0">
+                    <a:solidFill>
+                      <a:schemeClr val="bg1"/>
+                    </a:solidFill>
+                  </a:rPr>
+                  <a:t>I</a:t>
+                </a:r>
+                <a:br>
+                  <a:rPr lang="it-IT" sz="1200" b="1" dirty="0">
+                    <a:solidFill>
+                      <a:schemeClr val="bg1"/>
+                    </a:solidFill>
+                  </a:rPr>
+                </a:br>
+                <a:r>
+                  <a:rPr lang="it-IT" sz="1200" b="1" dirty="0">
+                    <a:solidFill>
+                      <a:schemeClr val="bg1"/>
+                    </a:solidFill>
+                  </a:rPr>
+                  <a:t>V</a:t>
+                </a:r>
+              </a:p>
+              <a:p>
+                <a:pPr algn="ctr"/>
+                <a:r>
+                  <a:rPr lang="it-IT" sz="1200" b="1" dirty="0">
+                    <a:solidFill>
+                      <a:schemeClr val="bg1"/>
+                    </a:solidFill>
+                  </a:rPr>
+                  <a:t>E</a:t>
+                </a:r>
+                <a:br>
+                  <a:rPr lang="it-IT" sz="1200" b="1" dirty="0">
+                    <a:solidFill>
+                      <a:schemeClr val="bg1"/>
+                    </a:solidFill>
+                  </a:rPr>
+                </a:br>
+                <a:r>
+                  <a:rPr lang="it-IT" sz="1200" b="1" dirty="0">
+                    <a:solidFill>
+                      <a:schemeClr val="bg1"/>
+                    </a:solidFill>
+                  </a:rPr>
+                  <a:t>R</a:t>
+                </a:r>
+              </a:p>
+            </p:txBody>
+          </p:sp>
+        </p:grpSp>
+        <p:grpSp>
+          <p:nvGrpSpPr>
+            <p:cNvPr id="37" name="Gruppo 36">
+              <a:extLst>
+                <a:ext uri="{FF2B5EF4-FFF2-40B4-BE49-F238E27FC236}">
+                  <a16:creationId xmlns:a16="http://schemas.microsoft.com/office/drawing/2014/main" id="{1687D162-485E-ED88-758D-31DC4A39832A}"/>
+                </a:ext>
+              </a:extLst>
+            </p:cNvPr>
+            <p:cNvGrpSpPr/>
+            <p:nvPr/>
+          </p:nvGrpSpPr>
+          <p:grpSpPr>
+            <a:xfrm>
+              <a:off x="5282828" y="2907039"/>
+              <a:ext cx="1353671" cy="1078361"/>
+              <a:chOff x="5419165" y="4325618"/>
+              <a:chExt cx="1353671" cy="1078361"/>
+            </a:xfrm>
+          </p:grpSpPr>
+          <p:pic>
+            <p:nvPicPr>
+              <p:cNvPr id="1028" name="Picture 4" descr="Spring Boot - Wikipedia">
+                <a:extLst>
+                  <a:ext uri="{FF2B5EF4-FFF2-40B4-BE49-F238E27FC236}">
+                    <a16:creationId xmlns:a16="http://schemas.microsoft.com/office/drawing/2014/main" id="{9B91D06F-FCB6-F7B4-9C46-21EE1FBE5A45}"/>
+                  </a:ext>
+                </a:extLst>
+              </p:cNvPr>
+              <p:cNvPicPr>
+                <a:picLocks noChangeAspect="1" noChangeArrowheads="1"/>
+              </p:cNvPicPr>
+              <p:nvPr/>
+            </p:nvPicPr>
+            <p:blipFill>
+              <a:blip r:embed="rId3">
+                <a:extLst>
+                  <a:ext uri="{28A0092B-C50C-407E-A947-70E740481C1C}">
+                    <a14:useLocalDpi xmlns:a14="http://schemas.microsoft.com/office/drawing/2010/main" val="0"/>
+                  </a:ext>
+                </a:extLst>
+              </a:blip>
+              <a:srcRect/>
+              <a:stretch>
+                <a:fillRect/>
+              </a:stretch>
+            </p:blipFill>
+            <p:spPr bwMode="auto">
+              <a:xfrm>
+                <a:off x="5713380" y="4325618"/>
+                <a:ext cx="765241" cy="765241"/>
+              </a:xfrm>
+              <a:prstGeom prst="rect">
+                <a:avLst/>
+              </a:prstGeom>
+              <a:noFill/>
+              <a:extLst>
+                <a:ext uri="{909E8E84-426E-40DD-AFC4-6F175D3DCCD1}">
+                  <a14:hiddenFill xmlns:a14="http://schemas.microsoft.com/office/drawing/2010/main">
+                    <a:solidFill>
+                      <a:srgbClr val="FFFFFF"/>
+                    </a:solidFill>
+                  </a14:hiddenFill>
+                </a:ext>
+              </a:extLst>
+            </p:spPr>
+          </p:pic>
+          <p:sp>
+            <p:nvSpPr>
+              <p:cNvPr id="36" name="CasellaDiTesto 35">
+                <a:extLst>
+                  <a:ext uri="{FF2B5EF4-FFF2-40B4-BE49-F238E27FC236}">
+                    <a16:creationId xmlns:a16="http://schemas.microsoft.com/office/drawing/2014/main" id="{F14CCD98-1C8E-8438-BF56-39B5F8D2E7FE}"/>
+                  </a:ext>
+                </a:extLst>
+              </p:cNvPr>
+              <p:cNvSpPr txBox="1"/>
+              <p:nvPr/>
+            </p:nvSpPr>
+            <p:spPr>
+              <a:xfrm>
+                <a:off x="5419165" y="5142369"/>
+                <a:ext cx="1353671" cy="261610"/>
+              </a:xfrm>
+              <a:prstGeom prst="rect">
+                <a:avLst/>
+              </a:prstGeom>
+              <a:noFill/>
+            </p:spPr>
+            <p:txBody>
+              <a:bodyPr wrap="square" rtlCol="0">
+                <a:spAutoFit/>
+              </a:bodyPr>
+              <a:lstStyle/>
+              <a:p>
+                <a:pPr algn="ctr"/>
+                <a:r>
+                  <a:rPr lang="it-IT" sz="1100" b="1" dirty="0">
+                    <a:solidFill>
+                      <a:srgbClr val="03071E"/>
+                    </a:solidFill>
+                  </a:rPr>
+                  <a:t>SPRING</a:t>
+                </a:r>
+                <a:endParaRPr lang="it-IT" sz="1300" b="1" dirty="0">
+                  <a:solidFill>
+                    <a:srgbClr val="03071E"/>
+                  </a:solidFill>
+                </a:endParaRPr>
+              </a:p>
+            </p:txBody>
+          </p:sp>
+        </p:grpSp>
+        <p:sp>
+          <p:nvSpPr>
+            <p:cNvPr id="39" name="CasellaDiTesto 38">
+              <a:extLst>
+                <a:ext uri="{FF2B5EF4-FFF2-40B4-BE49-F238E27FC236}">
+                  <a16:creationId xmlns:a16="http://schemas.microsoft.com/office/drawing/2014/main" id="{82012462-2E2F-1457-2863-B8ADE250D2AD}"/>
+                </a:ext>
+              </a:extLst>
+            </p:cNvPr>
+            <p:cNvSpPr txBox="1"/>
+            <p:nvPr/>
+          </p:nvSpPr>
+          <p:spPr>
+            <a:xfrm>
+              <a:off x="9251724" y="1524042"/>
+              <a:ext cx="1353671" cy="292388"/>
+            </a:xfrm>
+            <a:prstGeom prst="rect">
+              <a:avLst/>
+            </a:prstGeom>
+            <a:noFill/>
+          </p:spPr>
+          <p:txBody>
+            <a:bodyPr wrap="square" rtlCol="0">
+              <a:spAutoFit/>
+            </a:bodyPr>
+            <a:lstStyle/>
+            <a:p>
+              <a:pPr algn="ctr"/>
+              <a:r>
+                <a:rPr lang="it-IT" sz="1300" b="1" dirty="0">
+                  <a:solidFill>
+                    <a:srgbClr val="03071E"/>
+                  </a:solidFill>
+                </a:rPr>
+                <a:t>DATABASES</a:t>
+              </a:r>
+            </a:p>
+          </p:txBody>
+        </p:sp>
+        <p:grpSp>
+          <p:nvGrpSpPr>
+            <p:cNvPr id="45" name="Gruppo 44">
+              <a:extLst>
+                <a:ext uri="{FF2B5EF4-FFF2-40B4-BE49-F238E27FC236}">
+                  <a16:creationId xmlns:a16="http://schemas.microsoft.com/office/drawing/2014/main" id="{A6C7B526-4CE2-CAF5-AD92-18F7F895C555}"/>
+                </a:ext>
+              </a:extLst>
+            </p:cNvPr>
+            <p:cNvGrpSpPr/>
+            <p:nvPr/>
+          </p:nvGrpSpPr>
+          <p:grpSpPr>
+            <a:xfrm>
+              <a:off x="9198260" y="1976041"/>
+              <a:ext cx="1460950" cy="2904233"/>
+              <a:chOff x="9168636" y="2260336"/>
+              <a:chExt cx="1460950" cy="2904233"/>
+            </a:xfrm>
+          </p:grpSpPr>
+          <p:grpSp>
+            <p:nvGrpSpPr>
+              <p:cNvPr id="44" name="Gruppo 43">
+                <a:extLst>
+                  <a:ext uri="{FF2B5EF4-FFF2-40B4-BE49-F238E27FC236}">
+                    <a16:creationId xmlns:a16="http://schemas.microsoft.com/office/drawing/2014/main" id="{CDD99097-C555-3BB6-87BB-4EB309DB41CD}"/>
+                  </a:ext>
+                </a:extLst>
+              </p:cNvPr>
+              <p:cNvGrpSpPr/>
+              <p:nvPr/>
+            </p:nvGrpSpPr>
+            <p:grpSpPr>
+              <a:xfrm>
+                <a:off x="9168636" y="2260336"/>
+                <a:ext cx="1460600" cy="1334306"/>
+                <a:chOff x="9257591" y="2283192"/>
+                <a:chExt cx="1460600" cy="1334306"/>
+              </a:xfrm>
+            </p:grpSpPr>
+            <p:sp>
+              <p:nvSpPr>
+                <p:cNvPr id="41" name="Rettangolo con angoli arrotondati 40">
+                  <a:extLst>
+                    <a:ext uri="{FF2B5EF4-FFF2-40B4-BE49-F238E27FC236}">
+                      <a16:creationId xmlns:a16="http://schemas.microsoft.com/office/drawing/2014/main" id="{F2908142-65EF-9BBD-1AB7-9DC4C0BFD3C4}"/>
+                    </a:ext>
+                  </a:extLst>
+                </p:cNvPr>
+                <p:cNvSpPr/>
+                <p:nvPr/>
+              </p:nvSpPr>
+              <p:spPr>
+                <a:xfrm>
+                  <a:off x="9257591" y="2283192"/>
+                  <a:ext cx="1460600" cy="1334306"/>
+                </a:xfrm>
+                <a:prstGeom prst="roundRect">
+                  <a:avLst/>
+                </a:prstGeom>
+                <a:solidFill>
+                  <a:schemeClr val="bg1"/>
+                </a:solidFill>
+                <a:ln w="28575">
+                  <a:solidFill>
+                    <a:srgbClr val="03071E"/>
+                  </a:solidFill>
+                </a:ln>
+              </p:spPr>
+              <p:style>
+                <a:lnRef idx="2">
+                  <a:schemeClr val="accent1">
+                    <a:shade val="15000"/>
+                  </a:schemeClr>
+                </a:lnRef>
+                <a:fillRef idx="1">
+                  <a:schemeClr val="accent1"/>
+                </a:fillRef>
+                <a:effectRef idx="0">
+                  <a:schemeClr val="accent1"/>
+                </a:effectRef>
+                <a:fontRef idx="minor">
+                  <a:schemeClr val="lt1"/>
+                </a:fontRef>
+              </p:style>
+              <p:txBody>
+                <a:bodyPr rtlCol="0" anchor="ctr"/>
+                <a:lstStyle/>
+                <a:p>
+                  <a:pPr algn="ctr"/>
+                  <a:endParaRPr lang="it-IT"/>
+                </a:p>
+              </p:txBody>
+            </p:sp>
+            <p:pic>
+              <p:nvPicPr>
+                <p:cNvPr id="1030" name="Picture 6" descr="MongoDB - Ratings, Reviews, Salaries, and Sales Jobs | RepVue">
+                  <a:extLst>
+                    <a:ext uri="{FF2B5EF4-FFF2-40B4-BE49-F238E27FC236}">
+                      <a16:creationId xmlns:a16="http://schemas.microsoft.com/office/drawing/2014/main" id="{12E99DC7-BBAA-CC4D-EC8F-C9E8347C421B}"/>
+                    </a:ext>
+                  </a:extLst>
+                </p:cNvPr>
+                <p:cNvPicPr>
+                  <a:picLocks noChangeAspect="1" noChangeArrowheads="1"/>
+                </p:cNvPicPr>
+                <p:nvPr/>
+              </p:nvPicPr>
+              <p:blipFill>
+                <a:blip r:embed="rId4">
+                  <a:extLst>
+                    <a:ext uri="{28A0092B-C50C-407E-A947-70E740481C1C}">
+                      <a14:useLocalDpi xmlns:a14="http://schemas.microsoft.com/office/drawing/2010/main" val="0"/>
+                    </a:ext>
+                  </a:extLst>
+                </a:blip>
+                <a:srcRect/>
+                <a:stretch>
+                  <a:fillRect/>
+                </a:stretch>
+              </p:blipFill>
+              <p:spPr bwMode="auto">
+                <a:xfrm>
+                  <a:off x="9414718" y="2333866"/>
+                  <a:ext cx="1146346" cy="1146346"/>
+                </a:xfrm>
+                <a:prstGeom prst="rect">
+                  <a:avLst/>
+                </a:prstGeom>
+                <a:noFill/>
+                <a:extLst>
+                  <a:ext uri="{909E8E84-426E-40DD-AFC4-6F175D3DCCD1}">
+                    <a14:hiddenFill xmlns:a14="http://schemas.microsoft.com/office/drawing/2010/main">
+                      <a:solidFill>
+                        <a:srgbClr val="FFFFFF"/>
+                      </a:solidFill>
+                    </a14:hiddenFill>
+                  </a:ext>
+                </a:extLst>
+              </p:spPr>
+            </p:pic>
+          </p:grpSp>
+          <p:grpSp>
+            <p:nvGrpSpPr>
+              <p:cNvPr id="43" name="Gruppo 42">
+                <a:extLst>
+                  <a:ext uri="{FF2B5EF4-FFF2-40B4-BE49-F238E27FC236}">
+                    <a16:creationId xmlns:a16="http://schemas.microsoft.com/office/drawing/2014/main" id="{FE1F8945-A5DC-5231-FE19-358BC722186B}"/>
+                  </a:ext>
+                </a:extLst>
+              </p:cNvPr>
+              <p:cNvGrpSpPr/>
+              <p:nvPr/>
+            </p:nvGrpSpPr>
+            <p:grpSpPr>
+              <a:xfrm>
+                <a:off x="9168986" y="3830263"/>
+                <a:ext cx="1460600" cy="1334306"/>
+                <a:chOff x="9168986" y="3830263"/>
+                <a:chExt cx="1460600" cy="1334306"/>
+              </a:xfrm>
+            </p:grpSpPr>
+            <p:pic>
+              <p:nvPicPr>
+                <p:cNvPr id="1032" name="Picture 8" descr="Neo4j - Wikipedia">
+                  <a:extLst>
+                    <a:ext uri="{FF2B5EF4-FFF2-40B4-BE49-F238E27FC236}">
+                      <a16:creationId xmlns:a16="http://schemas.microsoft.com/office/drawing/2014/main" id="{E70759B6-F099-7B69-3CA8-6668451B5F2D}"/>
+                    </a:ext>
+                  </a:extLst>
+                </p:cNvPr>
+                <p:cNvPicPr>
+                  <a:picLocks noChangeAspect="1" noChangeArrowheads="1"/>
+                </p:cNvPicPr>
+                <p:nvPr/>
+              </p:nvPicPr>
+              <p:blipFill>
+                <a:blip r:embed="rId5">
+                  <a:extLst>
+                    <a:ext uri="{28A0092B-C50C-407E-A947-70E740481C1C}">
+                      <a14:useLocalDpi xmlns:a14="http://schemas.microsoft.com/office/drawing/2010/main" val="0"/>
+                    </a:ext>
+                  </a:extLst>
+                </a:blip>
+                <a:srcRect/>
+                <a:stretch>
+                  <a:fillRect/>
+                </a:stretch>
+              </p:blipFill>
+              <p:spPr bwMode="auto">
+                <a:xfrm>
+                  <a:off x="9345678" y="4301505"/>
+                  <a:ext cx="1106517" cy="415275"/>
+                </a:xfrm>
+                <a:prstGeom prst="rect">
+                  <a:avLst/>
+                </a:prstGeom>
+                <a:noFill/>
+                <a:extLst>
+                  <a:ext uri="{909E8E84-426E-40DD-AFC4-6F175D3DCCD1}">
+                    <a14:hiddenFill xmlns:a14="http://schemas.microsoft.com/office/drawing/2010/main">
+                      <a:solidFill>
+                        <a:srgbClr val="FFFFFF"/>
+                      </a:solidFill>
+                    </a14:hiddenFill>
+                  </a:ext>
+                </a:extLst>
+              </p:spPr>
+            </p:pic>
+            <p:sp>
+              <p:nvSpPr>
+                <p:cNvPr id="42" name="Rettangolo con angoli arrotondati 41">
+                  <a:extLst>
+                    <a:ext uri="{FF2B5EF4-FFF2-40B4-BE49-F238E27FC236}">
+                      <a16:creationId xmlns:a16="http://schemas.microsoft.com/office/drawing/2014/main" id="{4A780975-63B3-1D77-665D-28359D3CDC9D}"/>
+                    </a:ext>
+                  </a:extLst>
+                </p:cNvPr>
+                <p:cNvSpPr/>
+                <p:nvPr/>
+              </p:nvSpPr>
+              <p:spPr>
+                <a:xfrm>
+                  <a:off x="9168986" y="3830263"/>
+                  <a:ext cx="1460600" cy="1334306"/>
+                </a:xfrm>
+                <a:prstGeom prst="roundRect">
+                  <a:avLst/>
+                </a:prstGeom>
+                <a:noFill/>
+                <a:ln w="28575">
+                  <a:solidFill>
+                    <a:srgbClr val="03071E"/>
+                  </a:solidFill>
+                </a:ln>
+              </p:spPr>
+              <p:style>
+                <a:lnRef idx="2">
+                  <a:schemeClr val="accent1">
+                    <a:shade val="15000"/>
+                  </a:schemeClr>
+                </a:lnRef>
+                <a:fillRef idx="1">
+                  <a:schemeClr val="accent1"/>
+                </a:fillRef>
+                <a:effectRef idx="0">
+                  <a:schemeClr val="accent1"/>
+                </a:effectRef>
+                <a:fontRef idx="minor">
+                  <a:schemeClr val="lt1"/>
+                </a:fontRef>
+              </p:style>
+              <p:txBody>
+                <a:bodyPr rtlCol="0" anchor="ctr"/>
+                <a:lstStyle/>
+                <a:p>
+                  <a:pPr algn="ctr"/>
+                  <a:endParaRPr lang="it-IT"/>
+                </a:p>
+              </p:txBody>
+            </p:sp>
+          </p:grpSp>
+        </p:grpSp>
+        <p:cxnSp>
+          <p:nvCxnSpPr>
+            <p:cNvPr id="46" name="Connettore 2 45">
+              <a:extLst>
+                <a:ext uri="{FF2B5EF4-FFF2-40B4-BE49-F238E27FC236}">
+                  <a16:creationId xmlns:a16="http://schemas.microsoft.com/office/drawing/2014/main" id="{24857DA4-8EB8-78F3-9170-25D50627D769}"/>
+                </a:ext>
+              </a:extLst>
+            </p:cNvPr>
+            <p:cNvCxnSpPr>
+              <a:cxnSpLocks/>
+            </p:cNvCxnSpPr>
+            <p:nvPr/>
+          </p:nvCxnSpPr>
+          <p:spPr>
+            <a:xfrm flipV="1">
+              <a:off x="7415527" y="2653056"/>
+              <a:ext cx="1584769" cy="507965"/>
+            </a:xfrm>
+            <a:prstGeom prst="straightConnector1">
+              <a:avLst/>
+            </a:prstGeom>
+            <a:ln w="28575">
+              <a:solidFill>
+                <a:srgbClr val="03071E"/>
+              </a:solidFill>
+              <a:headEnd type="triangle"/>
+              <a:tailEnd type="triangle"/>
+            </a:ln>
+          </p:spPr>
+          <p:style>
+            <a:lnRef idx="2">
+              <a:schemeClr val="accent1"/>
+            </a:lnRef>
+            <a:fillRef idx="0">
+              <a:schemeClr val="accent1"/>
+            </a:fillRef>
+            <a:effectRef idx="1">
+              <a:schemeClr val="accent1"/>
+            </a:effectRef>
+            <a:fontRef idx="minor">
+              <a:schemeClr val="tx1"/>
+            </a:fontRef>
+          </p:style>
+        </p:cxnSp>
+        <p:cxnSp>
+          <p:nvCxnSpPr>
+            <p:cNvPr id="53" name="Connettore 2 52">
+              <a:extLst>
+                <a:ext uri="{FF2B5EF4-FFF2-40B4-BE49-F238E27FC236}">
+                  <a16:creationId xmlns:a16="http://schemas.microsoft.com/office/drawing/2014/main" id="{220CB687-7CEB-1E62-965F-39E4BE635F26}"/>
+                </a:ext>
+              </a:extLst>
+            </p:cNvPr>
+            <p:cNvCxnSpPr>
+              <a:cxnSpLocks/>
+            </p:cNvCxnSpPr>
+            <p:nvPr/>
+          </p:nvCxnSpPr>
+          <p:spPr>
+            <a:xfrm flipH="1" flipV="1">
+              <a:off x="7414236" y="3695948"/>
+              <a:ext cx="1584769" cy="507965"/>
+            </a:xfrm>
+            <a:prstGeom prst="straightConnector1">
+              <a:avLst/>
+            </a:prstGeom>
+            <a:ln w="28575">
+              <a:solidFill>
+                <a:srgbClr val="03071E"/>
+              </a:solidFill>
+              <a:headEnd type="triangle"/>
+              <a:tailEnd type="triangle"/>
+            </a:ln>
+          </p:spPr>
+          <p:style>
+            <a:lnRef idx="2">
+              <a:schemeClr val="accent1"/>
+            </a:lnRef>
+            <a:fillRef idx="0">
+              <a:schemeClr val="accent1"/>
+            </a:fillRef>
+            <a:effectRef idx="1">
+              <a:schemeClr val="accent1"/>
+            </a:effectRef>
+            <a:fontRef idx="minor">
+              <a:schemeClr val="tx1"/>
+            </a:fontRef>
+          </p:style>
+        </p:cxnSp>
+      </p:grpSp>
+    </p:spTree>
+    <p:extLst>
+      <p:ext uri="{BB962C8B-B14F-4D97-AF65-F5344CB8AC3E}">
+        <p14:creationId xmlns:p14="http://schemas.microsoft.com/office/powerpoint/2010/main" val="3375808178"/>
+      </p:ext>
+    </p:extLst>
+  </p:cSld>
+  <p:clrMapOvr>
+    <a:masterClrMapping/>
+  </p:clrMapOvr>
+</p:sld>
+</file>
+
 <file path=ppt/theme/theme1.xml><?xml version="1.0" encoding="utf-8"?>
 <a:theme xmlns:a="http://schemas.openxmlformats.org/drawingml/2006/main" name="Tema di Office">
   <a:themeElements>

--- a/Documentation/Resources/Default_Image.pptx
+++ b/Documentation/Resources/Default_Image.pptx
@@ -7,6 +7,13 @@
   <p:sldIdLst>
     <p:sldId id="256" r:id="rId2"/>
     <p:sldId id="257" r:id="rId3"/>
+    <p:sldId id="258" r:id="rId4"/>
+    <p:sldId id="259" r:id="rId5"/>
+    <p:sldId id="260" r:id="rId6"/>
+    <p:sldId id="261" r:id="rId7"/>
+    <p:sldId id="262" r:id="rId8"/>
+    <p:sldId id="263" r:id="rId9"/>
+    <p:sldId id="264" r:id="rId10"/>
   </p:sldIdLst>
   <p:sldSz cx="12192000" cy="6858000"/>
   <p:notesSz cx="6858000" cy="9144000"/>
@@ -260,7 +267,7 @@
           <a:p>
             <a:fld id="{15E32B24-CA35-48E8-8CC9-E5E0139D3757}" type="datetimeFigureOut">
               <a:rPr lang="it-IT" smtClean="0"/>
-              <a:t>28/01/2024</a:t>
+              <a:t>29/01/2024</a:t>
             </a:fld>
             <a:endParaRPr lang="it-IT"/>
           </a:p>
@@ -458,7 +465,7 @@
           <a:p>
             <a:fld id="{15E32B24-CA35-48E8-8CC9-E5E0139D3757}" type="datetimeFigureOut">
               <a:rPr lang="it-IT" smtClean="0"/>
-              <a:t>28/01/2024</a:t>
+              <a:t>29/01/2024</a:t>
             </a:fld>
             <a:endParaRPr lang="it-IT"/>
           </a:p>
@@ -666,7 +673,7 @@
           <a:p>
             <a:fld id="{15E32B24-CA35-48E8-8CC9-E5E0139D3757}" type="datetimeFigureOut">
               <a:rPr lang="it-IT" smtClean="0"/>
-              <a:t>28/01/2024</a:t>
+              <a:t>29/01/2024</a:t>
             </a:fld>
             <a:endParaRPr lang="it-IT"/>
           </a:p>
@@ -864,7 +871,7 @@
           <a:p>
             <a:fld id="{15E32B24-CA35-48E8-8CC9-E5E0139D3757}" type="datetimeFigureOut">
               <a:rPr lang="it-IT" smtClean="0"/>
-              <a:t>28/01/2024</a:t>
+              <a:t>29/01/2024</a:t>
             </a:fld>
             <a:endParaRPr lang="it-IT"/>
           </a:p>
@@ -1139,7 +1146,7 @@
           <a:p>
             <a:fld id="{15E32B24-CA35-48E8-8CC9-E5E0139D3757}" type="datetimeFigureOut">
               <a:rPr lang="it-IT" smtClean="0"/>
-              <a:t>28/01/2024</a:t>
+              <a:t>29/01/2024</a:t>
             </a:fld>
             <a:endParaRPr lang="it-IT"/>
           </a:p>
@@ -1404,7 +1411,7 @@
           <a:p>
             <a:fld id="{15E32B24-CA35-48E8-8CC9-E5E0139D3757}" type="datetimeFigureOut">
               <a:rPr lang="it-IT" smtClean="0"/>
-              <a:t>28/01/2024</a:t>
+              <a:t>29/01/2024</a:t>
             </a:fld>
             <a:endParaRPr lang="it-IT"/>
           </a:p>
@@ -1816,7 +1823,7 @@
           <a:p>
             <a:fld id="{15E32B24-CA35-48E8-8CC9-E5E0139D3757}" type="datetimeFigureOut">
               <a:rPr lang="it-IT" smtClean="0"/>
-              <a:t>28/01/2024</a:t>
+              <a:t>29/01/2024</a:t>
             </a:fld>
             <a:endParaRPr lang="it-IT"/>
           </a:p>
@@ -1957,7 +1964,7 @@
           <a:p>
             <a:fld id="{15E32B24-CA35-48E8-8CC9-E5E0139D3757}" type="datetimeFigureOut">
               <a:rPr lang="it-IT" smtClean="0"/>
-              <a:t>28/01/2024</a:t>
+              <a:t>29/01/2024</a:t>
             </a:fld>
             <a:endParaRPr lang="it-IT"/>
           </a:p>
@@ -2070,7 +2077,7 @@
           <a:p>
             <a:fld id="{15E32B24-CA35-48E8-8CC9-E5E0139D3757}" type="datetimeFigureOut">
               <a:rPr lang="it-IT" smtClean="0"/>
-              <a:t>28/01/2024</a:t>
+              <a:t>29/01/2024</a:t>
             </a:fld>
             <a:endParaRPr lang="it-IT"/>
           </a:p>
@@ -2381,7 +2388,7 @@
           <a:p>
             <a:fld id="{15E32B24-CA35-48E8-8CC9-E5E0139D3757}" type="datetimeFigureOut">
               <a:rPr lang="it-IT" smtClean="0"/>
-              <a:t>28/01/2024</a:t>
+              <a:t>29/01/2024</a:t>
             </a:fld>
             <a:endParaRPr lang="it-IT"/>
           </a:p>
@@ -2669,7 +2676,7 @@
           <a:p>
             <a:fld id="{15E32B24-CA35-48E8-8CC9-E5E0139D3757}" type="datetimeFigureOut">
               <a:rPr lang="it-IT" smtClean="0"/>
-              <a:t>28/01/2024</a:t>
+              <a:t>29/01/2024</a:t>
             </a:fld>
             <a:endParaRPr lang="it-IT"/>
           </a:p>
@@ -2910,7 +2917,7 @@
           <a:p>
             <a:fld id="{15E32B24-CA35-48E8-8CC9-E5E0139D3757}" type="datetimeFigureOut">
               <a:rPr lang="it-IT" smtClean="0"/>
-              <a:t>28/01/2024</a:t>
+              <a:t>29/01/2024</a:t>
             </a:fld>
             <a:endParaRPr lang="it-IT"/>
           </a:p>
@@ -5018,6 +5025,660 @@
 </p:sld>
 </file>
 
+<file path=ppt/slides/slide3.xml><?xml version="1.0" encoding="utf-8"?>
+<p:sld xmlns:a="http://schemas.openxmlformats.org/drawingml/2006/main" xmlns:r="http://schemas.openxmlformats.org/officeDocument/2006/relationships" xmlns:p="http://schemas.openxmlformats.org/presentationml/2006/main">
+  <p:cSld>
+    <p:spTree>
+      <p:nvGrpSpPr>
+        <p:cNvPr id="1" name=""/>
+        <p:cNvGrpSpPr/>
+        <p:nvPr/>
+      </p:nvGrpSpPr>
+      <p:grpSpPr>
+        <a:xfrm>
+          <a:off x="0" y="0"/>
+          <a:ext cx="0" cy="0"/>
+          <a:chOff x="0" y="0"/>
+          <a:chExt cx="0" cy="0"/>
+        </a:xfrm>
+      </p:grpSpPr>
+      <p:grpSp>
+        <p:nvGrpSpPr>
+          <p:cNvPr id="14" name="Gruppo 13">
+            <a:extLst>
+              <a:ext uri="{FF2B5EF4-FFF2-40B4-BE49-F238E27FC236}">
+                <a16:creationId xmlns:a16="http://schemas.microsoft.com/office/drawing/2014/main" id="{C1F9B1D5-966D-2963-5B69-334FC9A089D6}"/>
+              </a:ext>
+            </a:extLst>
+          </p:cNvPr>
+          <p:cNvGrpSpPr/>
+          <p:nvPr/>
+        </p:nvGrpSpPr>
+        <p:grpSpPr>
+          <a:xfrm>
+            <a:off x="653971" y="806822"/>
+            <a:ext cx="10884058" cy="4819463"/>
+            <a:chOff x="653971" y="806822"/>
+            <a:chExt cx="10884058" cy="4819463"/>
+          </a:xfrm>
+        </p:grpSpPr>
+        <p:pic>
+          <p:nvPicPr>
+            <p:cNvPr id="5" name="Immagine 4">
+              <a:extLst>
+                <a:ext uri="{FF2B5EF4-FFF2-40B4-BE49-F238E27FC236}">
+                  <a16:creationId xmlns:a16="http://schemas.microsoft.com/office/drawing/2014/main" id="{6DF03591-930A-0585-8042-96FBF2675575}"/>
+                </a:ext>
+              </a:extLst>
+            </p:cNvPr>
+            <p:cNvPicPr>
+              <a:picLocks noChangeAspect="1"/>
+            </p:cNvPicPr>
+            <p:nvPr/>
+          </p:nvPicPr>
+          <p:blipFill>
+            <a:blip r:embed="rId2"/>
+            <a:stretch>
+              <a:fillRect/>
+            </a:stretch>
+          </p:blipFill>
+          <p:spPr>
+            <a:xfrm>
+              <a:off x="653971" y="806822"/>
+              <a:ext cx="10884058" cy="4819463"/>
+            </a:xfrm>
+            <a:prstGeom prst="rect">
+              <a:avLst/>
+            </a:prstGeom>
+          </p:spPr>
+        </p:pic>
+        <p:pic>
+          <p:nvPicPr>
+            <p:cNvPr id="13" name="Immagine 12" descr="Immagine che contiene Elementi grafici, design&#10;&#10;Descrizione generata automaticamente">
+              <a:extLst>
+                <a:ext uri="{FF2B5EF4-FFF2-40B4-BE49-F238E27FC236}">
+                  <a16:creationId xmlns:a16="http://schemas.microsoft.com/office/drawing/2014/main" id="{7CA58526-FC41-4E3C-6B22-C2272EF03268}"/>
+                </a:ext>
+              </a:extLst>
+            </p:cNvPr>
+            <p:cNvPicPr>
+              <a:picLocks noChangeAspect="1"/>
+            </p:cNvPicPr>
+            <p:nvPr/>
+          </p:nvPicPr>
+          <p:blipFill>
+            <a:blip r:embed="rId3">
+              <a:extLst>
+                <a:ext uri="{28A0092B-C50C-407E-A947-70E740481C1C}">
+                  <a14:useLocalDpi xmlns:a14="http://schemas.microsoft.com/office/drawing/2010/main" val="0"/>
+                </a:ext>
+              </a:extLst>
+            </a:blip>
+            <a:stretch>
+              <a:fillRect/>
+            </a:stretch>
+          </p:blipFill>
+          <p:spPr>
+            <a:xfrm>
+              <a:off x="4971936" y="5082273"/>
+              <a:ext cx="192195" cy="192195"/>
+            </a:xfrm>
+            <a:prstGeom prst="rect">
+              <a:avLst/>
+            </a:prstGeom>
+          </p:spPr>
+        </p:pic>
+      </p:grpSp>
+    </p:spTree>
+    <p:extLst>
+      <p:ext uri="{BB962C8B-B14F-4D97-AF65-F5344CB8AC3E}">
+        <p14:creationId xmlns:p14="http://schemas.microsoft.com/office/powerpoint/2010/main" val="1705956443"/>
+      </p:ext>
+    </p:extLst>
+  </p:cSld>
+  <p:clrMapOvr>
+    <a:masterClrMapping/>
+  </p:clrMapOvr>
+</p:sld>
+</file>
+
+<file path=ppt/slides/slide4.xml><?xml version="1.0" encoding="utf-8"?>
+<p:sld xmlns:a="http://schemas.openxmlformats.org/drawingml/2006/main" xmlns:r="http://schemas.openxmlformats.org/officeDocument/2006/relationships" xmlns:p="http://schemas.openxmlformats.org/presentationml/2006/main">
+  <p:cSld>
+    <p:spTree>
+      <p:nvGrpSpPr>
+        <p:cNvPr id="1" name=""/>
+        <p:cNvGrpSpPr/>
+        <p:nvPr/>
+      </p:nvGrpSpPr>
+      <p:grpSpPr>
+        <a:xfrm>
+          <a:off x="0" y="0"/>
+          <a:ext cx="0" cy="0"/>
+          <a:chOff x="0" y="0"/>
+          <a:chExt cx="0" cy="0"/>
+        </a:xfrm>
+      </p:grpSpPr>
+      <p:pic>
+        <p:nvPicPr>
+          <p:cNvPr id="5" name="Immagine 4">
+            <a:extLst>
+              <a:ext uri="{FF2B5EF4-FFF2-40B4-BE49-F238E27FC236}">
+                <a16:creationId xmlns:a16="http://schemas.microsoft.com/office/drawing/2014/main" id="{4ED893CD-4995-25DF-1192-F824E723C87D}"/>
+              </a:ext>
+            </a:extLst>
+          </p:cNvPr>
+          <p:cNvPicPr>
+            <a:picLocks noChangeAspect="1"/>
+          </p:cNvPicPr>
+          <p:nvPr/>
+        </p:nvPicPr>
+        <p:blipFill rotWithShape="1">
+          <a:blip r:embed="rId2"/>
+          <a:srcRect l="6133" t="4307" r="6496" b="6944"/>
+          <a:stretch/>
+        </p:blipFill>
+        <p:spPr>
+          <a:xfrm>
+            <a:off x="6438900" y="385763"/>
+            <a:ext cx="4581525" cy="6086476"/>
+          </a:xfrm>
+          <a:prstGeom prst="rect">
+            <a:avLst/>
+          </a:prstGeom>
+        </p:spPr>
+      </p:pic>
+      <p:pic>
+        <p:nvPicPr>
+          <p:cNvPr id="7" name="Immagine 6">
+            <a:extLst>
+              <a:ext uri="{FF2B5EF4-FFF2-40B4-BE49-F238E27FC236}">
+                <a16:creationId xmlns:a16="http://schemas.microsoft.com/office/drawing/2014/main" id="{E00C1C2B-5E38-AA21-1346-6331C484C4CE}"/>
+              </a:ext>
+            </a:extLst>
+          </p:cNvPr>
+          <p:cNvPicPr>
+            <a:picLocks noChangeAspect="1"/>
+          </p:cNvPicPr>
+          <p:nvPr/>
+        </p:nvPicPr>
+        <p:blipFill rotWithShape="1">
+          <a:blip r:embed="rId3"/>
+          <a:srcRect l="4555" t="3811" r="3136" b="6328"/>
+          <a:stretch/>
+        </p:blipFill>
+        <p:spPr>
+          <a:xfrm>
+            <a:off x="769287" y="385763"/>
+            <a:ext cx="4581525" cy="6086475"/>
+          </a:xfrm>
+          <a:prstGeom prst="rect">
+            <a:avLst/>
+          </a:prstGeom>
+        </p:spPr>
+      </p:pic>
+    </p:spTree>
+    <p:extLst>
+      <p:ext uri="{BB962C8B-B14F-4D97-AF65-F5344CB8AC3E}">
+        <p14:creationId xmlns:p14="http://schemas.microsoft.com/office/powerpoint/2010/main" val="3231175586"/>
+      </p:ext>
+    </p:extLst>
+  </p:cSld>
+  <p:clrMapOvr>
+    <a:masterClrMapping/>
+  </p:clrMapOvr>
+</p:sld>
+</file>
+
+<file path=ppt/slides/slide5.xml><?xml version="1.0" encoding="utf-8"?>
+<p:sld xmlns:a="http://schemas.openxmlformats.org/drawingml/2006/main" xmlns:r="http://schemas.openxmlformats.org/officeDocument/2006/relationships" xmlns:p="http://schemas.openxmlformats.org/presentationml/2006/main">
+  <p:cSld>
+    <p:spTree>
+      <p:nvGrpSpPr>
+        <p:cNvPr id="1" name=""/>
+        <p:cNvGrpSpPr/>
+        <p:nvPr/>
+      </p:nvGrpSpPr>
+      <p:grpSpPr>
+        <a:xfrm>
+          <a:off x="0" y="0"/>
+          <a:ext cx="0" cy="0"/>
+          <a:chOff x="0" y="0"/>
+          <a:chExt cx="0" cy="0"/>
+        </a:xfrm>
+      </p:grpSpPr>
+      <p:grpSp>
+        <p:nvGrpSpPr>
+          <p:cNvPr id="7" name="Gruppo 6">
+            <a:extLst>
+              <a:ext uri="{FF2B5EF4-FFF2-40B4-BE49-F238E27FC236}">
+                <a16:creationId xmlns:a16="http://schemas.microsoft.com/office/drawing/2014/main" id="{A249C5EB-60C5-70FC-D377-0CB4036038F4}"/>
+              </a:ext>
+            </a:extLst>
+          </p:cNvPr>
+          <p:cNvGrpSpPr/>
+          <p:nvPr/>
+        </p:nvGrpSpPr>
+        <p:grpSpPr>
+          <a:xfrm>
+            <a:off x="178593" y="456644"/>
+            <a:ext cx="11834813" cy="5744647"/>
+            <a:chOff x="178593" y="456644"/>
+            <a:chExt cx="11834813" cy="5744647"/>
+          </a:xfrm>
+        </p:grpSpPr>
+        <p:pic>
+          <p:nvPicPr>
+            <p:cNvPr id="5" name="Immagine 4">
+              <a:extLst>
+                <a:ext uri="{FF2B5EF4-FFF2-40B4-BE49-F238E27FC236}">
+                  <a16:creationId xmlns:a16="http://schemas.microsoft.com/office/drawing/2014/main" id="{1DB611C9-9E86-D446-2E0F-4965925191CC}"/>
+                </a:ext>
+              </a:extLst>
+            </p:cNvPr>
+            <p:cNvPicPr>
+              <a:picLocks noChangeAspect="1"/>
+            </p:cNvPicPr>
+            <p:nvPr/>
+          </p:nvPicPr>
+          <p:blipFill rotWithShape="1">
+            <a:blip r:embed="rId2"/>
+            <a:srcRect r="838"/>
+            <a:stretch/>
+          </p:blipFill>
+          <p:spPr>
+            <a:xfrm>
+              <a:off x="178593" y="456644"/>
+              <a:ext cx="11834813" cy="5744647"/>
+            </a:xfrm>
+            <a:prstGeom prst="rect">
+              <a:avLst/>
+            </a:prstGeom>
+          </p:spPr>
+        </p:pic>
+        <p:pic>
+          <p:nvPicPr>
+            <p:cNvPr id="6" name="Immagine 5" descr="Immagine che contiene Elementi grafici, design&#10;&#10;Descrizione generata automaticamente">
+              <a:extLst>
+                <a:ext uri="{FF2B5EF4-FFF2-40B4-BE49-F238E27FC236}">
+                  <a16:creationId xmlns:a16="http://schemas.microsoft.com/office/drawing/2014/main" id="{3EC9FCAC-85F9-EE5F-512D-5F4C354286D7}"/>
+                </a:ext>
+              </a:extLst>
+            </p:cNvPr>
+            <p:cNvPicPr>
+              <a:picLocks noChangeAspect="1"/>
+            </p:cNvPicPr>
+            <p:nvPr/>
+          </p:nvPicPr>
+          <p:blipFill>
+            <a:blip r:embed="rId3">
+              <a:extLst>
+                <a:ext uri="{28A0092B-C50C-407E-A947-70E740481C1C}">
+                  <a14:useLocalDpi xmlns:a14="http://schemas.microsoft.com/office/drawing/2010/main" val="0"/>
+                </a:ext>
+              </a:extLst>
+            </a:blip>
+            <a:stretch>
+              <a:fillRect/>
+            </a:stretch>
+          </p:blipFill>
+          <p:spPr>
+            <a:xfrm>
+              <a:off x="2266836" y="2811513"/>
+              <a:ext cx="263004" cy="263004"/>
+            </a:xfrm>
+            <a:prstGeom prst="rect">
+              <a:avLst/>
+            </a:prstGeom>
+          </p:spPr>
+        </p:pic>
+      </p:grpSp>
+    </p:spTree>
+    <p:extLst>
+      <p:ext uri="{BB962C8B-B14F-4D97-AF65-F5344CB8AC3E}">
+        <p14:creationId xmlns:p14="http://schemas.microsoft.com/office/powerpoint/2010/main" val="954019433"/>
+      </p:ext>
+    </p:extLst>
+  </p:cSld>
+  <p:clrMapOvr>
+    <a:masterClrMapping/>
+  </p:clrMapOvr>
+</p:sld>
+</file>
+
+<file path=ppt/slides/slide6.xml><?xml version="1.0" encoding="utf-8"?>
+<p:sld xmlns:a="http://schemas.openxmlformats.org/drawingml/2006/main" xmlns:r="http://schemas.openxmlformats.org/officeDocument/2006/relationships" xmlns:p="http://schemas.openxmlformats.org/presentationml/2006/main">
+  <p:cSld>
+    <p:spTree>
+      <p:nvGrpSpPr>
+        <p:cNvPr id="1" name=""/>
+        <p:cNvGrpSpPr/>
+        <p:nvPr/>
+      </p:nvGrpSpPr>
+      <p:grpSpPr>
+        <a:xfrm>
+          <a:off x="0" y="0"/>
+          <a:ext cx="0" cy="0"/>
+          <a:chOff x="0" y="0"/>
+          <a:chExt cx="0" cy="0"/>
+        </a:xfrm>
+      </p:grpSpPr>
+      <p:pic>
+        <p:nvPicPr>
+          <p:cNvPr id="8" name="Immagine 7">
+            <a:extLst>
+              <a:ext uri="{FF2B5EF4-FFF2-40B4-BE49-F238E27FC236}">
+                <a16:creationId xmlns:a16="http://schemas.microsoft.com/office/drawing/2014/main" id="{96C2D1C9-9513-FAD6-3FE2-FB0F0F94B589}"/>
+              </a:ext>
+            </a:extLst>
+          </p:cNvPr>
+          <p:cNvPicPr>
+            <a:picLocks noChangeAspect="1"/>
+          </p:cNvPicPr>
+          <p:nvPr/>
+        </p:nvPicPr>
+        <p:blipFill rotWithShape="1">
+          <a:blip r:embed="rId2"/>
+          <a:srcRect t="1" b="468"/>
+          <a:stretch/>
+        </p:blipFill>
+        <p:spPr>
+          <a:xfrm>
+            <a:off x="6446030" y="394864"/>
+            <a:ext cx="4591691" cy="6068272"/>
+          </a:xfrm>
+          <a:prstGeom prst="rect">
+            <a:avLst/>
+          </a:prstGeom>
+          <a:ln>
+            <a:noFill/>
+          </a:ln>
+        </p:spPr>
+      </p:pic>
+      <p:grpSp>
+        <p:nvGrpSpPr>
+          <p:cNvPr id="9" name="Gruppo 8">
+            <a:extLst>
+              <a:ext uri="{FF2B5EF4-FFF2-40B4-BE49-F238E27FC236}">
+                <a16:creationId xmlns:a16="http://schemas.microsoft.com/office/drawing/2014/main" id="{626C799E-4439-5582-DB06-E05BDE68D92A}"/>
+              </a:ext>
+            </a:extLst>
+          </p:cNvPr>
+          <p:cNvGrpSpPr/>
+          <p:nvPr/>
+        </p:nvGrpSpPr>
+        <p:grpSpPr>
+          <a:xfrm>
+            <a:off x="834125" y="394864"/>
+            <a:ext cx="4591691" cy="6068272"/>
+            <a:chOff x="1902715" y="296253"/>
+            <a:chExt cx="4591691" cy="6068272"/>
+          </a:xfrm>
+        </p:grpSpPr>
+        <p:pic>
+          <p:nvPicPr>
+            <p:cNvPr id="5" name="Immagine 4">
+              <a:extLst>
+                <a:ext uri="{FF2B5EF4-FFF2-40B4-BE49-F238E27FC236}">
+                  <a16:creationId xmlns:a16="http://schemas.microsoft.com/office/drawing/2014/main" id="{3F7DA113-1722-F7FB-C677-16874EF39CA0}"/>
+                </a:ext>
+              </a:extLst>
+            </p:cNvPr>
+            <p:cNvPicPr>
+              <a:picLocks noChangeAspect="1"/>
+            </p:cNvPicPr>
+            <p:nvPr/>
+          </p:nvPicPr>
+          <p:blipFill rotWithShape="1">
+            <a:blip r:embed="rId3"/>
+            <a:srcRect r="1027"/>
+            <a:stretch/>
+          </p:blipFill>
+          <p:spPr>
+            <a:xfrm>
+              <a:off x="1902715" y="296253"/>
+              <a:ext cx="4591691" cy="6068272"/>
+            </a:xfrm>
+            <a:prstGeom prst="rect">
+              <a:avLst/>
+            </a:prstGeom>
+            <a:ln>
+              <a:noFill/>
+            </a:ln>
+          </p:spPr>
+        </p:pic>
+        <p:pic>
+          <p:nvPicPr>
+            <p:cNvPr id="6" name="Immagine 5" descr="Immagine che contiene Elementi grafici, design&#10;&#10;Descrizione generata automaticamente">
+              <a:extLst>
+                <a:ext uri="{FF2B5EF4-FFF2-40B4-BE49-F238E27FC236}">
+                  <a16:creationId xmlns:a16="http://schemas.microsoft.com/office/drawing/2014/main" id="{FB9FA40B-92EE-42C9-05F4-CEE1DC6E58A6}"/>
+                </a:ext>
+              </a:extLst>
+            </p:cNvPr>
+            <p:cNvPicPr>
+              <a:picLocks noChangeAspect="1"/>
+            </p:cNvPicPr>
+            <p:nvPr/>
+          </p:nvPicPr>
+          <p:blipFill>
+            <a:blip r:embed="rId4">
+              <a:extLst>
+                <a:ext uri="{28A0092B-C50C-407E-A947-70E740481C1C}">
+                  <a14:useLocalDpi xmlns:a14="http://schemas.microsoft.com/office/drawing/2010/main" val="0"/>
+                </a:ext>
+              </a:extLst>
+            </a:blip>
+            <a:stretch>
+              <a:fillRect/>
+            </a:stretch>
+          </p:blipFill>
+          <p:spPr>
+            <a:xfrm>
+              <a:off x="5547917" y="3627301"/>
+              <a:ext cx="353029" cy="353029"/>
+            </a:xfrm>
+            <a:prstGeom prst="rect">
+              <a:avLst/>
+            </a:prstGeom>
+            <a:ln>
+              <a:noFill/>
+            </a:ln>
+          </p:spPr>
+        </p:pic>
+      </p:grpSp>
+    </p:spTree>
+    <p:extLst>
+      <p:ext uri="{BB962C8B-B14F-4D97-AF65-F5344CB8AC3E}">
+        <p14:creationId xmlns:p14="http://schemas.microsoft.com/office/powerpoint/2010/main" val="4197981554"/>
+      </p:ext>
+    </p:extLst>
+  </p:cSld>
+  <p:clrMapOvr>
+    <a:masterClrMapping/>
+  </p:clrMapOvr>
+</p:sld>
+</file>
+
+<file path=ppt/slides/slide7.xml><?xml version="1.0" encoding="utf-8"?>
+<p:sld xmlns:a="http://schemas.openxmlformats.org/drawingml/2006/main" xmlns:r="http://schemas.openxmlformats.org/officeDocument/2006/relationships" xmlns:p="http://schemas.openxmlformats.org/presentationml/2006/main">
+  <p:cSld>
+    <p:spTree>
+      <p:nvGrpSpPr>
+        <p:cNvPr id="1" name=""/>
+        <p:cNvGrpSpPr/>
+        <p:nvPr/>
+      </p:nvGrpSpPr>
+      <p:grpSpPr>
+        <a:xfrm>
+          <a:off x="0" y="0"/>
+          <a:ext cx="0" cy="0"/>
+          <a:chOff x="0" y="0"/>
+          <a:chExt cx="0" cy="0"/>
+        </a:xfrm>
+      </p:grpSpPr>
+      <p:pic>
+        <p:nvPicPr>
+          <p:cNvPr id="5" name="Immagine 4">
+            <a:extLst>
+              <a:ext uri="{FF2B5EF4-FFF2-40B4-BE49-F238E27FC236}">
+                <a16:creationId xmlns:a16="http://schemas.microsoft.com/office/drawing/2014/main" id="{677B9EB2-8D46-4668-9637-14795794101E}"/>
+              </a:ext>
+            </a:extLst>
+          </p:cNvPr>
+          <p:cNvPicPr>
+            <a:picLocks noChangeAspect="1"/>
+          </p:cNvPicPr>
+          <p:nvPr/>
+        </p:nvPicPr>
+        <p:blipFill>
+          <a:blip r:embed="rId2"/>
+          <a:stretch>
+            <a:fillRect/>
+          </a:stretch>
+        </p:blipFill>
+        <p:spPr>
+          <a:xfrm>
+            <a:off x="3790628" y="452022"/>
+            <a:ext cx="4610743" cy="5953956"/>
+          </a:xfrm>
+          <a:prstGeom prst="rect">
+            <a:avLst/>
+          </a:prstGeom>
+        </p:spPr>
+      </p:pic>
+    </p:spTree>
+    <p:extLst>
+      <p:ext uri="{BB962C8B-B14F-4D97-AF65-F5344CB8AC3E}">
+        <p14:creationId xmlns:p14="http://schemas.microsoft.com/office/powerpoint/2010/main" val="1654495989"/>
+      </p:ext>
+    </p:extLst>
+  </p:cSld>
+  <p:clrMapOvr>
+    <a:masterClrMapping/>
+  </p:clrMapOvr>
+</p:sld>
+</file>
+
+<file path=ppt/slides/slide8.xml><?xml version="1.0" encoding="utf-8"?>
+<p:sld xmlns:a="http://schemas.openxmlformats.org/drawingml/2006/main" xmlns:r="http://schemas.openxmlformats.org/officeDocument/2006/relationships" xmlns:p="http://schemas.openxmlformats.org/presentationml/2006/main">
+  <p:cSld>
+    <p:spTree>
+      <p:nvGrpSpPr>
+        <p:cNvPr id="1" name=""/>
+        <p:cNvGrpSpPr/>
+        <p:nvPr/>
+      </p:nvGrpSpPr>
+      <p:grpSpPr>
+        <a:xfrm>
+          <a:off x="0" y="0"/>
+          <a:ext cx="0" cy="0"/>
+          <a:chOff x="0" y="0"/>
+          <a:chExt cx="0" cy="0"/>
+        </a:xfrm>
+      </p:grpSpPr>
+      <p:pic>
+        <p:nvPicPr>
+          <p:cNvPr id="5" name="Immagine 4">
+            <a:extLst>
+              <a:ext uri="{FF2B5EF4-FFF2-40B4-BE49-F238E27FC236}">
+                <a16:creationId xmlns:a16="http://schemas.microsoft.com/office/drawing/2014/main" id="{39D7997F-A9FE-D435-15EC-1F45A973FF16}"/>
+              </a:ext>
+            </a:extLst>
+          </p:cNvPr>
+          <p:cNvPicPr>
+            <a:picLocks noChangeAspect="1"/>
+          </p:cNvPicPr>
+          <p:nvPr/>
+        </p:nvPicPr>
+        <p:blipFill>
+          <a:blip r:embed="rId2"/>
+          <a:stretch>
+            <a:fillRect/>
+          </a:stretch>
+        </p:blipFill>
+        <p:spPr>
+          <a:xfrm>
+            <a:off x="467702" y="1067813"/>
+            <a:ext cx="11256596" cy="4722373"/>
+          </a:xfrm>
+          <a:prstGeom prst="rect">
+            <a:avLst/>
+          </a:prstGeom>
+        </p:spPr>
+      </p:pic>
+    </p:spTree>
+    <p:extLst>
+      <p:ext uri="{BB962C8B-B14F-4D97-AF65-F5344CB8AC3E}">
+        <p14:creationId xmlns:p14="http://schemas.microsoft.com/office/powerpoint/2010/main" val="3798143567"/>
+      </p:ext>
+    </p:extLst>
+  </p:cSld>
+  <p:clrMapOvr>
+    <a:masterClrMapping/>
+  </p:clrMapOvr>
+</p:sld>
+</file>
+
+<file path=ppt/slides/slide9.xml><?xml version="1.0" encoding="utf-8"?>
+<p:sld xmlns:a="http://schemas.openxmlformats.org/drawingml/2006/main" xmlns:r="http://schemas.openxmlformats.org/officeDocument/2006/relationships" xmlns:p="http://schemas.openxmlformats.org/presentationml/2006/main">
+  <p:cSld>
+    <p:spTree>
+      <p:nvGrpSpPr>
+        <p:cNvPr id="1" name=""/>
+        <p:cNvGrpSpPr/>
+        <p:nvPr/>
+      </p:nvGrpSpPr>
+      <p:grpSpPr>
+        <a:xfrm>
+          <a:off x="0" y="0"/>
+          <a:ext cx="0" cy="0"/>
+          <a:chOff x="0" y="0"/>
+          <a:chExt cx="0" cy="0"/>
+        </a:xfrm>
+      </p:grpSpPr>
+      <p:pic>
+        <p:nvPicPr>
+          <p:cNvPr id="5" name="Immagine 4">
+            <a:extLst>
+              <a:ext uri="{FF2B5EF4-FFF2-40B4-BE49-F238E27FC236}">
+                <a16:creationId xmlns:a16="http://schemas.microsoft.com/office/drawing/2014/main" id="{6AC894EA-58A6-DAAA-5924-B2E28D494E0F}"/>
+              </a:ext>
+            </a:extLst>
+          </p:cNvPr>
+          <p:cNvPicPr>
+            <a:picLocks noChangeAspect="1"/>
+          </p:cNvPicPr>
+          <p:nvPr/>
+        </p:nvPicPr>
+        <p:blipFill rotWithShape="1">
+          <a:blip r:embed="rId2"/>
+          <a:srcRect l="8439" t="4145" r="9946" b="5554"/>
+          <a:stretch/>
+        </p:blipFill>
+        <p:spPr>
+          <a:xfrm>
+            <a:off x="4365812" y="510988"/>
+            <a:ext cx="3397624" cy="5746377"/>
+          </a:xfrm>
+          <a:prstGeom prst="rect">
+            <a:avLst/>
+          </a:prstGeom>
+        </p:spPr>
+      </p:pic>
+    </p:spTree>
+    <p:extLst>
+      <p:ext uri="{BB962C8B-B14F-4D97-AF65-F5344CB8AC3E}">
+        <p14:creationId xmlns:p14="http://schemas.microsoft.com/office/powerpoint/2010/main" val="108769229"/>
+      </p:ext>
+    </p:extLst>
+  </p:cSld>
+  <p:clrMapOvr>
+    <a:masterClrMapping/>
+  </p:clrMapOvr>
+</p:sld>
+</file>
+
 <file path=ppt/theme/theme1.xml><?xml version="1.0" encoding="utf-8"?>
 <a:theme xmlns:a="http://schemas.openxmlformats.org/drawingml/2006/main" name="Tema di Office">
   <a:themeElements>
